--- a/todoconnect/src/components/PNG/プレゼンテーション1 [自動保存済み].pptx
+++ b/todoconnect/src/components/PNG/プレゼンテーション1 [自動保存済み].pptx
@@ -6,6 +6,7 @@
   </p:sldMasterIdLst>
   <p:sldIdLst>
     <p:sldId id="256" r:id="rId2"/>
+    <p:sldId id="257" r:id="rId3"/>
   </p:sldIdLst>
   <p:sldSz cx="12192000" cy="6858000"/>
   <p:notesSz cx="6858000" cy="9144000"/>
@@ -259,7 +260,7 @@
           <a:p>
             <a:fld id="{57DE7308-D50D-DC4D-B787-4DF1690B0021}" type="datetimeFigureOut">
               <a:rPr kumimoji="1" lang="ja-JP" altLang="en-US" smtClean="0"/>
-              <a:t>2023/2/25</a:t>
+              <a:t>2023/3/21</a:t>
             </a:fld>
             <a:endParaRPr kumimoji="1" lang="ja-JP" altLang="en-US"/>
           </a:p>
@@ -489,7 +490,7 @@
           <a:p>
             <a:fld id="{57DE7308-D50D-DC4D-B787-4DF1690B0021}" type="datetimeFigureOut">
               <a:rPr kumimoji="1" lang="ja-JP" altLang="en-US" smtClean="0"/>
-              <a:t>2023/2/25</a:t>
+              <a:t>2023/3/21</a:t>
             </a:fld>
             <a:endParaRPr kumimoji="1" lang="ja-JP" altLang="en-US"/>
           </a:p>
@@ -729,7 +730,7 @@
           <a:p>
             <a:fld id="{57DE7308-D50D-DC4D-B787-4DF1690B0021}" type="datetimeFigureOut">
               <a:rPr kumimoji="1" lang="ja-JP" altLang="en-US" smtClean="0"/>
-              <a:t>2023/2/25</a:t>
+              <a:t>2023/3/21</a:t>
             </a:fld>
             <a:endParaRPr kumimoji="1" lang="ja-JP" altLang="en-US"/>
           </a:p>
@@ -959,7 +960,7 @@
           <a:p>
             <a:fld id="{57DE7308-D50D-DC4D-B787-4DF1690B0021}" type="datetimeFigureOut">
               <a:rPr kumimoji="1" lang="ja-JP" altLang="en-US" smtClean="0"/>
-              <a:t>2023/2/25</a:t>
+              <a:t>2023/3/21</a:t>
             </a:fld>
             <a:endParaRPr kumimoji="1" lang="ja-JP" altLang="en-US"/>
           </a:p>
@@ -1234,7 +1235,7 @@
           <a:p>
             <a:fld id="{57DE7308-D50D-DC4D-B787-4DF1690B0021}" type="datetimeFigureOut">
               <a:rPr kumimoji="1" lang="ja-JP" altLang="en-US" smtClean="0"/>
-              <a:t>2023/2/25</a:t>
+              <a:t>2023/3/21</a:t>
             </a:fld>
             <a:endParaRPr kumimoji="1" lang="ja-JP" altLang="en-US"/>
           </a:p>
@@ -1563,7 +1564,7 @@
           <a:p>
             <a:fld id="{57DE7308-D50D-DC4D-B787-4DF1690B0021}" type="datetimeFigureOut">
               <a:rPr kumimoji="1" lang="ja-JP" altLang="en-US" smtClean="0"/>
-              <a:t>2023/2/25</a:t>
+              <a:t>2023/3/21</a:t>
             </a:fld>
             <a:endParaRPr kumimoji="1" lang="ja-JP" altLang="en-US"/>
           </a:p>
@@ -2039,7 +2040,7 @@
           <a:p>
             <a:fld id="{57DE7308-D50D-DC4D-B787-4DF1690B0021}" type="datetimeFigureOut">
               <a:rPr kumimoji="1" lang="ja-JP" altLang="en-US" smtClean="0"/>
-              <a:t>2023/2/25</a:t>
+              <a:t>2023/3/21</a:t>
             </a:fld>
             <a:endParaRPr kumimoji="1" lang="ja-JP" altLang="en-US"/>
           </a:p>
@@ -2180,7 +2181,7 @@
           <a:p>
             <a:fld id="{57DE7308-D50D-DC4D-B787-4DF1690B0021}" type="datetimeFigureOut">
               <a:rPr kumimoji="1" lang="ja-JP" altLang="en-US" smtClean="0"/>
-              <a:t>2023/2/25</a:t>
+              <a:t>2023/3/21</a:t>
             </a:fld>
             <a:endParaRPr kumimoji="1" lang="ja-JP" altLang="en-US"/>
           </a:p>
@@ -2293,7 +2294,7 @@
           <a:p>
             <a:fld id="{57DE7308-D50D-DC4D-B787-4DF1690B0021}" type="datetimeFigureOut">
               <a:rPr kumimoji="1" lang="ja-JP" altLang="en-US" smtClean="0"/>
-              <a:t>2023/2/25</a:t>
+              <a:t>2023/3/21</a:t>
             </a:fld>
             <a:endParaRPr kumimoji="1" lang="ja-JP" altLang="en-US"/>
           </a:p>
@@ -2636,7 +2637,7 @@
           <a:p>
             <a:fld id="{57DE7308-D50D-DC4D-B787-4DF1690B0021}" type="datetimeFigureOut">
               <a:rPr kumimoji="1" lang="ja-JP" altLang="en-US" smtClean="0"/>
-              <a:t>2023/2/25</a:t>
+              <a:t>2023/3/21</a:t>
             </a:fld>
             <a:endParaRPr kumimoji="1" lang="ja-JP" altLang="en-US"/>
           </a:p>
@@ -2924,7 +2925,7 @@
           <a:p>
             <a:fld id="{57DE7308-D50D-DC4D-B787-4DF1690B0021}" type="datetimeFigureOut">
               <a:rPr kumimoji="1" lang="ja-JP" altLang="en-US" smtClean="0"/>
-              <a:t>2023/2/25</a:t>
+              <a:t>2023/3/21</a:t>
             </a:fld>
             <a:endParaRPr kumimoji="1" lang="ja-JP" altLang="en-US"/>
           </a:p>
@@ -3197,7 +3198,7 @@
           <a:p>
             <a:fld id="{57DE7308-D50D-DC4D-B787-4DF1690B0021}" type="datetimeFigureOut">
               <a:rPr kumimoji="1" lang="ja-JP" altLang="en-US" smtClean="0"/>
-              <a:t>2023/2/25</a:t>
+              <a:t>2023/3/21</a:t>
             </a:fld>
             <a:endParaRPr kumimoji="1" lang="ja-JP" altLang="en-US"/>
           </a:p>
@@ -3768,6 +3769,293 @@
 </p:sld>
 </file>
 
+<file path=ppt/slides/slide2.xml><?xml version="1.0" encoding="utf-8"?>
+<p:sld xmlns:a="http://schemas.openxmlformats.org/drawingml/2006/main" xmlns:r="http://schemas.openxmlformats.org/officeDocument/2006/relationships" xmlns:p="http://schemas.openxmlformats.org/presentationml/2006/main">
+  <p:cSld>
+    <p:spTree>
+      <p:nvGrpSpPr>
+        <p:cNvPr id="1" name=""/>
+        <p:cNvGrpSpPr/>
+        <p:nvPr/>
+      </p:nvGrpSpPr>
+      <p:grpSpPr>
+        <a:xfrm>
+          <a:off x="0" y="0"/>
+          <a:ext cx="0" cy="0"/>
+          <a:chOff x="0" y="0"/>
+          <a:chExt cx="0" cy="0"/>
+        </a:xfrm>
+      </p:grpSpPr>
+      <p:pic>
+        <p:nvPicPr>
+          <p:cNvPr id="4" name="図 3">
+            <a:extLst>
+              <a:ext uri="{FF2B5EF4-FFF2-40B4-BE49-F238E27FC236}">
+                <a16:creationId xmlns:a16="http://schemas.microsoft.com/office/drawing/2014/main" id="{153ECD68-59F6-8F97-69DB-0144B7F632D8}"/>
+              </a:ext>
+            </a:extLst>
+          </p:cNvPr>
+          <p:cNvPicPr>
+            <a:picLocks noChangeAspect="1"/>
+          </p:cNvPicPr>
+          <p:nvPr/>
+        </p:nvPicPr>
+        <p:blipFill>
+          <a:blip r:embed="rId2"/>
+          <a:stretch>
+            <a:fillRect/>
+          </a:stretch>
+        </p:blipFill>
+        <p:spPr>
+          <a:xfrm>
+            <a:off x="3150870" y="4665980"/>
+            <a:ext cx="419100" cy="406400"/>
+          </a:xfrm>
+          <a:prstGeom prst="rect">
+            <a:avLst/>
+          </a:prstGeom>
+        </p:spPr>
+      </p:pic>
+      <p:pic>
+        <p:nvPicPr>
+          <p:cNvPr id="5" name="図 4">
+            <a:extLst>
+              <a:ext uri="{FF2B5EF4-FFF2-40B4-BE49-F238E27FC236}">
+                <a16:creationId xmlns:a16="http://schemas.microsoft.com/office/drawing/2014/main" id="{79FB9C28-8D53-4197-45E9-1D588C03A7EF}"/>
+              </a:ext>
+            </a:extLst>
+          </p:cNvPr>
+          <p:cNvPicPr>
+            <a:picLocks noChangeAspect="1"/>
+          </p:cNvPicPr>
+          <p:nvPr/>
+        </p:nvPicPr>
+        <p:blipFill>
+          <a:blip r:embed="rId3"/>
+          <a:stretch>
+            <a:fillRect/>
+          </a:stretch>
+        </p:blipFill>
+        <p:spPr>
+          <a:xfrm>
+            <a:off x="1870710" y="2221230"/>
+            <a:ext cx="381000" cy="381000"/>
+          </a:xfrm>
+          <a:prstGeom prst="rect">
+            <a:avLst/>
+          </a:prstGeom>
+        </p:spPr>
+      </p:pic>
+      <p:pic>
+        <p:nvPicPr>
+          <p:cNvPr id="6" name="図 5">
+            <a:extLst>
+              <a:ext uri="{FF2B5EF4-FFF2-40B4-BE49-F238E27FC236}">
+                <a16:creationId xmlns:a16="http://schemas.microsoft.com/office/drawing/2014/main" id="{B7E05277-C940-B4A8-3DC6-6793B5CB7826}"/>
+              </a:ext>
+            </a:extLst>
+          </p:cNvPr>
+          <p:cNvPicPr>
+            <a:picLocks noChangeAspect="1"/>
+          </p:cNvPicPr>
+          <p:nvPr/>
+        </p:nvPicPr>
+        <p:blipFill>
+          <a:blip r:embed="rId4"/>
+          <a:stretch>
+            <a:fillRect/>
+          </a:stretch>
+        </p:blipFill>
+        <p:spPr>
+          <a:xfrm>
+            <a:off x="2945130" y="2214880"/>
+            <a:ext cx="381000" cy="393700"/>
+          </a:xfrm>
+          <a:prstGeom prst="rect">
+            <a:avLst/>
+          </a:prstGeom>
+        </p:spPr>
+      </p:pic>
+      <p:pic>
+        <p:nvPicPr>
+          <p:cNvPr id="1026" name="Picture 2" descr="C++ - Icons">
+            <a:extLst>
+              <a:ext uri="{FF2B5EF4-FFF2-40B4-BE49-F238E27FC236}">
+                <a16:creationId xmlns:a16="http://schemas.microsoft.com/office/drawing/2014/main" id="{E571F538-05AD-C434-8FDA-B88F4A9F2C76}"/>
+              </a:ext>
+            </a:extLst>
+          </p:cNvPr>
+          <p:cNvPicPr>
+            <a:picLocks noChangeAspect="1" noChangeArrowheads="1"/>
+          </p:cNvPicPr>
+          <p:nvPr/>
+        </p:nvPicPr>
+        <p:blipFill>
+          <a:blip r:embed="rId5">
+            <a:extLst>
+              <a:ext uri="{28A0092B-C50C-407E-A947-70E740481C1C}">
+                <a14:useLocalDpi xmlns:a14="http://schemas.microsoft.com/office/drawing/2010/main" val="0"/>
+              </a:ext>
+            </a:extLst>
+          </a:blip>
+          <a:srcRect/>
+          <a:stretch>
+            <a:fillRect/>
+          </a:stretch>
+        </p:blipFill>
+        <p:spPr bwMode="auto">
+          <a:xfrm>
+            <a:off x="3779520" y="2179955"/>
+            <a:ext cx="381000" cy="428625"/>
+          </a:xfrm>
+          <a:prstGeom prst="rect">
+            <a:avLst/>
+          </a:prstGeom>
+          <a:noFill/>
+          <a:extLst>
+            <a:ext uri="{909E8E84-426E-40DD-AFC4-6F175D3DCCD1}">
+              <a14:hiddenFill xmlns:a14="http://schemas.microsoft.com/office/drawing/2010/main">
+                <a:solidFill>
+                  <a:srgbClr val="FFFFFF"/>
+                </a:solidFill>
+              </a14:hiddenFill>
+            </a:ext>
+          </a:extLst>
+        </p:spPr>
+      </p:pic>
+      <p:pic>
+        <p:nvPicPr>
+          <p:cNvPr id="7" name="図 6">
+            <a:extLst>
+              <a:ext uri="{FF2B5EF4-FFF2-40B4-BE49-F238E27FC236}">
+                <a16:creationId xmlns:a16="http://schemas.microsoft.com/office/drawing/2014/main" id="{9976778F-C44F-2336-E928-D612B1B906CC}"/>
+              </a:ext>
+            </a:extLst>
+          </p:cNvPr>
+          <p:cNvPicPr>
+            <a:picLocks noChangeAspect="1"/>
+          </p:cNvPicPr>
+          <p:nvPr/>
+        </p:nvPicPr>
+        <p:blipFill>
+          <a:blip r:embed="rId6"/>
+          <a:stretch>
+            <a:fillRect/>
+          </a:stretch>
+        </p:blipFill>
+        <p:spPr>
+          <a:xfrm>
+            <a:off x="4785360" y="2227580"/>
+            <a:ext cx="381000" cy="381000"/>
+          </a:xfrm>
+          <a:prstGeom prst="rect">
+            <a:avLst/>
+          </a:prstGeom>
+        </p:spPr>
+      </p:pic>
+      <p:pic>
+        <p:nvPicPr>
+          <p:cNvPr id="8" name="図 7">
+            <a:extLst>
+              <a:ext uri="{FF2B5EF4-FFF2-40B4-BE49-F238E27FC236}">
+                <a16:creationId xmlns:a16="http://schemas.microsoft.com/office/drawing/2014/main" id="{08E6CBCF-55EA-705D-660C-923BAD649851}"/>
+              </a:ext>
+            </a:extLst>
+          </p:cNvPr>
+          <p:cNvPicPr>
+            <a:picLocks noChangeAspect="1"/>
+          </p:cNvPicPr>
+          <p:nvPr/>
+        </p:nvPicPr>
+        <p:blipFill>
+          <a:blip r:embed="rId7"/>
+          <a:stretch>
+            <a:fillRect/>
+          </a:stretch>
+        </p:blipFill>
+        <p:spPr>
+          <a:xfrm>
+            <a:off x="5600700" y="2310130"/>
+            <a:ext cx="381000" cy="292100"/>
+          </a:xfrm>
+          <a:prstGeom prst="rect">
+            <a:avLst/>
+          </a:prstGeom>
+        </p:spPr>
+      </p:pic>
+      <p:pic>
+        <p:nvPicPr>
+          <p:cNvPr id="10" name="図 9">
+            <a:extLst>
+              <a:ext uri="{FF2B5EF4-FFF2-40B4-BE49-F238E27FC236}">
+                <a16:creationId xmlns:a16="http://schemas.microsoft.com/office/drawing/2014/main" id="{4EC7BBE3-F37B-05DE-07CC-1852521616C1}"/>
+              </a:ext>
+            </a:extLst>
+          </p:cNvPr>
+          <p:cNvPicPr>
+            <a:picLocks noChangeAspect="1"/>
+          </p:cNvPicPr>
+          <p:nvPr/>
+        </p:nvPicPr>
+        <p:blipFill>
+          <a:blip r:embed="rId8"/>
+          <a:stretch>
+            <a:fillRect/>
+          </a:stretch>
+        </p:blipFill>
+        <p:spPr>
+          <a:xfrm>
+            <a:off x="6416040" y="2291080"/>
+            <a:ext cx="381000" cy="330200"/>
+          </a:xfrm>
+          <a:prstGeom prst="rect">
+            <a:avLst/>
+          </a:prstGeom>
+        </p:spPr>
+      </p:pic>
+      <p:pic>
+        <p:nvPicPr>
+          <p:cNvPr id="12" name="図 11">
+            <a:extLst>
+              <a:ext uri="{FF2B5EF4-FFF2-40B4-BE49-F238E27FC236}">
+                <a16:creationId xmlns:a16="http://schemas.microsoft.com/office/drawing/2014/main" id="{A15034BB-DF6D-DBF8-2814-FA3B32884992}"/>
+              </a:ext>
+            </a:extLst>
+          </p:cNvPr>
+          <p:cNvPicPr>
+            <a:picLocks noChangeAspect="1"/>
+          </p:cNvPicPr>
+          <p:nvPr/>
+        </p:nvPicPr>
+        <p:blipFill>
+          <a:blip r:embed="rId9"/>
+          <a:stretch>
+            <a:fillRect/>
+          </a:stretch>
+        </p:blipFill>
+        <p:spPr>
+          <a:xfrm>
+            <a:off x="7263130" y="2227580"/>
+            <a:ext cx="317500" cy="482600"/>
+          </a:xfrm>
+          <a:prstGeom prst="rect">
+            <a:avLst/>
+          </a:prstGeom>
+        </p:spPr>
+      </p:pic>
+    </p:spTree>
+    <p:extLst>
+      <p:ext uri="{BB962C8B-B14F-4D97-AF65-F5344CB8AC3E}">
+        <p14:creationId xmlns:p14="http://schemas.microsoft.com/office/powerpoint/2010/main" val="289256675"/>
+      </p:ext>
+    </p:extLst>
+  </p:cSld>
+  <p:clrMapOvr>
+    <a:masterClrMapping/>
+  </p:clrMapOvr>
+</p:sld>
+</file>
+
 <file path=ppt/theme/theme1.xml><?xml version="1.0" encoding="utf-8"?>
 <a:theme xmlns:a="http://schemas.openxmlformats.org/drawingml/2006/main" name="Office テーマ">
   <a:themeElements>
